--- a/2 - Scripting.pptx
+++ b/2 - Scripting.pptx
@@ -449,7 +449,7 @@
           <a:p>
             <a:fld id="{D44263F0-A5A9-41B6-B682-E0E7AF475E79}" type="datetimeFigureOut">
               <a:rPr lang="nl-BE" smtClean="0"/>
-              <a:t>21/09/2018</a:t>
+              <a:t>5/02/2019</a:t>
             </a:fld>
             <a:endParaRPr lang="nl-BE"/>
           </a:p>
@@ -2017,7 +2017,7 @@
           <a:p>
             <a:fld id="{F47C08B3-015B-44BE-B397-EC898F227802}" type="datetimeFigureOut">
               <a:rPr lang="nl-BE" smtClean="0"/>
-              <a:t>21/09/2018</a:t>
+              <a:t>5/02/2019</a:t>
             </a:fld>
             <a:endParaRPr lang="nl-BE"/>
           </a:p>
@@ -2187,7 +2187,7 @@
           <a:p>
             <a:fld id="{F47C08B3-015B-44BE-B397-EC898F227802}" type="datetimeFigureOut">
               <a:rPr lang="nl-BE" smtClean="0"/>
-              <a:t>21/09/2018</a:t>
+              <a:t>5/02/2019</a:t>
             </a:fld>
             <a:endParaRPr lang="nl-BE"/>
           </a:p>
@@ -2367,7 +2367,7 @@
           <a:p>
             <a:fld id="{F47C08B3-015B-44BE-B397-EC898F227802}" type="datetimeFigureOut">
               <a:rPr lang="nl-BE" smtClean="0"/>
-              <a:t>21/09/2018</a:t>
+              <a:t>5/02/2019</a:t>
             </a:fld>
             <a:endParaRPr lang="nl-BE"/>
           </a:p>
@@ -2881,7 +2881,7 @@
           <a:p>
             <a:fld id="{F47C08B3-015B-44BE-B397-EC898F227802}" type="datetimeFigureOut">
               <a:rPr lang="nl-BE" smtClean="0"/>
-              <a:t>21/09/2018</a:t>
+              <a:t>5/02/2019</a:t>
             </a:fld>
             <a:endParaRPr lang="nl-BE"/>
           </a:p>
@@ -3127,7 +3127,7 @@
           <a:p>
             <a:fld id="{F47C08B3-015B-44BE-B397-EC898F227802}" type="datetimeFigureOut">
               <a:rPr lang="nl-BE" smtClean="0"/>
-              <a:t>21/09/2018</a:t>
+              <a:t>5/02/2019</a:t>
             </a:fld>
             <a:endParaRPr lang="nl-BE"/>
           </a:p>
@@ -3359,7 +3359,7 @@
           <a:p>
             <a:fld id="{F47C08B3-015B-44BE-B397-EC898F227802}" type="datetimeFigureOut">
               <a:rPr lang="nl-BE" smtClean="0"/>
-              <a:t>21/09/2018</a:t>
+              <a:t>5/02/2019</a:t>
             </a:fld>
             <a:endParaRPr lang="nl-BE"/>
           </a:p>
@@ -3726,7 +3726,7 @@
           <a:p>
             <a:fld id="{F47C08B3-015B-44BE-B397-EC898F227802}" type="datetimeFigureOut">
               <a:rPr lang="nl-BE" smtClean="0"/>
-              <a:t>21/09/2018</a:t>
+              <a:t>5/02/2019</a:t>
             </a:fld>
             <a:endParaRPr lang="nl-BE"/>
           </a:p>
@@ -3844,7 +3844,7 @@
           <a:p>
             <a:fld id="{F47C08B3-015B-44BE-B397-EC898F227802}" type="datetimeFigureOut">
               <a:rPr lang="nl-BE" smtClean="0"/>
-              <a:t>21/09/2018</a:t>
+              <a:t>5/02/2019</a:t>
             </a:fld>
             <a:endParaRPr lang="nl-BE"/>
           </a:p>
@@ -3939,7 +3939,7 @@
           <a:p>
             <a:fld id="{F47C08B3-015B-44BE-B397-EC898F227802}" type="datetimeFigureOut">
               <a:rPr lang="nl-BE" smtClean="0"/>
-              <a:t>21/09/2018</a:t>
+              <a:t>5/02/2019</a:t>
             </a:fld>
             <a:endParaRPr lang="nl-BE"/>
           </a:p>
@@ -4216,7 +4216,7 @@
           <a:p>
             <a:fld id="{F47C08B3-015B-44BE-B397-EC898F227802}" type="datetimeFigureOut">
               <a:rPr lang="nl-BE" smtClean="0"/>
-              <a:t>21/09/2018</a:t>
+              <a:t>5/02/2019</a:t>
             </a:fld>
             <a:endParaRPr lang="nl-BE"/>
           </a:p>
@@ -4473,7 +4473,7 @@
           <a:p>
             <a:fld id="{F47C08B3-015B-44BE-B397-EC898F227802}" type="datetimeFigureOut">
               <a:rPr lang="nl-BE" smtClean="0"/>
-              <a:t>21/09/2018</a:t>
+              <a:t>5/02/2019</a:t>
             </a:fld>
             <a:endParaRPr lang="nl-BE"/>
           </a:p>
@@ -4686,7 +4686,7 @@
           <a:p>
             <a:fld id="{F47C08B3-015B-44BE-B397-EC898F227802}" type="datetimeFigureOut">
               <a:rPr lang="nl-BE" smtClean="0"/>
-              <a:t>21/09/2018</a:t>
+              <a:t>5/02/2019</a:t>
             </a:fld>
             <a:endParaRPr lang="nl-BE"/>
           </a:p>
@@ -18643,15 +18643,7 @@
             </a:r>
             <a:r>
               <a:rPr lang="en-GB" dirty="0"/>
-              <a:t>, </a:t>
-            </a:r>
-            <a:r>
-              <a:rPr lang="en-GB"/>
-              <a:t>-in, </a:t>
-            </a:r>
-            <a:r>
-              <a:rPr lang="en-GB" dirty="0"/>
-              <a:t>-like, -</a:t>
+              <a:t>, -in, -like, -</a:t>
             </a:r>
             <a:r>
               <a:rPr lang="en-GB" dirty="0" err="1"/>
@@ -24182,10 +24174,6 @@
           <a:lstStyle/>
           <a:p>
             <a:r>
-              <a:rPr lang="nl-BE" dirty="0"/>
-              <a:t> </a:t>
-            </a:r>
-            <a:r>
               <a:rPr lang="nl-BE" dirty="0">
                 <a:solidFill>
                   <a:srgbClr val="FF4500"/>
@@ -24516,10 +24504,6 @@
           </a:bodyPr>
           <a:lstStyle/>
           <a:p>
-            <a:r>
-              <a:rPr lang="nl-BE" dirty="0"/>
-              <a:t> </a:t>
-            </a:r>
             <a:r>
               <a:rPr lang="nl-BE" dirty="0">
                 <a:solidFill>

--- a/2 - Scripting.pptx
+++ b/2 - Scripting.pptx
@@ -282,6 +282,30 @@
       </pc:sldChg>
     </pc:docChg>
   </pc:docChgLst>
+  <pc:docChgLst>
+    <pc:chgData name="Jochen Mariën" userId="a4f8d9ed-3895-4365-b2d5-9432cb8a20d4" providerId="ADAL" clId="{D8863647-8C64-4389-8197-37EEB8290D34}"/>
+    <pc:docChg chg="undo custSel modSld">
+      <pc:chgData name="Jochen Mariën" userId="a4f8d9ed-3895-4365-b2d5-9432cb8a20d4" providerId="ADAL" clId="{D8863647-8C64-4389-8197-37EEB8290D34}" dt="2020-05-07T07:17:02.121" v="1" actId="15"/>
+      <pc:docMkLst>
+        <pc:docMk/>
+      </pc:docMkLst>
+      <pc:sldChg chg="modSp mod">
+        <pc:chgData name="Jochen Mariën" userId="a4f8d9ed-3895-4365-b2d5-9432cb8a20d4" providerId="ADAL" clId="{D8863647-8C64-4389-8197-37EEB8290D34}" dt="2020-05-07T07:17:02.121" v="1" actId="15"/>
+        <pc:sldMkLst>
+          <pc:docMk/>
+          <pc:sldMk cId="3068882927" sldId="285"/>
+        </pc:sldMkLst>
+        <pc:spChg chg="mod">
+          <ac:chgData name="Jochen Mariën" userId="a4f8d9ed-3895-4365-b2d5-9432cb8a20d4" providerId="ADAL" clId="{D8863647-8C64-4389-8197-37EEB8290D34}" dt="2020-05-07T07:17:02.121" v="1" actId="15"/>
+          <ac:spMkLst>
+            <pc:docMk/>
+            <pc:sldMk cId="3068882927" sldId="285"/>
+            <ac:spMk id="4" creationId="{00000000-0000-0000-0000-000000000000}"/>
+          </ac:spMkLst>
+        </pc:spChg>
+      </pc:sldChg>
+    </pc:docChg>
+  </pc:docChgLst>
 </pc:chgInfo>
 </file>
 
@@ -367,7 +391,7 @@
           <a:p>
             <a:fld id="{D44263F0-A5A9-41B6-B682-E0E7AF475E79}" type="datetimeFigureOut">
               <a:rPr lang="nl-BE" smtClean="0"/>
-              <a:t>6/03/2019</a:t>
+              <a:t>7/05/2020</a:t>
             </a:fld>
             <a:endParaRPr lang="nl-BE"/>
           </a:p>
@@ -1179,7 +1203,7 @@
           <a:p>
             <a:fld id="{F47C08B3-015B-44BE-B397-EC898F227802}" type="datetimeFigureOut">
               <a:rPr lang="nl-BE" smtClean="0"/>
-              <a:t>6/03/2019</a:t>
+              <a:t>7/05/2020</a:t>
             </a:fld>
             <a:endParaRPr lang="nl-BE"/>
           </a:p>
@@ -1349,7 +1373,7 @@
           <a:p>
             <a:fld id="{F47C08B3-015B-44BE-B397-EC898F227802}" type="datetimeFigureOut">
               <a:rPr lang="nl-BE" smtClean="0"/>
-              <a:t>6/03/2019</a:t>
+              <a:t>7/05/2020</a:t>
             </a:fld>
             <a:endParaRPr lang="nl-BE"/>
           </a:p>
@@ -1529,7 +1553,7 @@
           <a:p>
             <a:fld id="{F47C08B3-015B-44BE-B397-EC898F227802}" type="datetimeFigureOut">
               <a:rPr lang="nl-BE" smtClean="0"/>
-              <a:t>6/03/2019</a:t>
+              <a:t>7/05/2020</a:t>
             </a:fld>
             <a:endParaRPr lang="nl-BE"/>
           </a:p>
@@ -2043,7 +2067,7 @@
           <a:p>
             <a:fld id="{F47C08B3-015B-44BE-B397-EC898F227802}" type="datetimeFigureOut">
               <a:rPr lang="nl-BE" smtClean="0"/>
-              <a:t>6/03/2019</a:t>
+              <a:t>7/05/2020</a:t>
             </a:fld>
             <a:endParaRPr lang="nl-BE"/>
           </a:p>
@@ -2289,7 +2313,7 @@
           <a:p>
             <a:fld id="{F47C08B3-015B-44BE-B397-EC898F227802}" type="datetimeFigureOut">
               <a:rPr lang="nl-BE" smtClean="0"/>
-              <a:t>6/03/2019</a:t>
+              <a:t>7/05/2020</a:t>
             </a:fld>
             <a:endParaRPr lang="nl-BE"/>
           </a:p>
@@ -2521,7 +2545,7 @@
           <a:p>
             <a:fld id="{F47C08B3-015B-44BE-B397-EC898F227802}" type="datetimeFigureOut">
               <a:rPr lang="nl-BE" smtClean="0"/>
-              <a:t>6/03/2019</a:t>
+              <a:t>7/05/2020</a:t>
             </a:fld>
             <a:endParaRPr lang="nl-BE"/>
           </a:p>
@@ -2888,7 +2912,7 @@
           <a:p>
             <a:fld id="{F47C08B3-015B-44BE-B397-EC898F227802}" type="datetimeFigureOut">
               <a:rPr lang="nl-BE" smtClean="0"/>
-              <a:t>6/03/2019</a:t>
+              <a:t>7/05/2020</a:t>
             </a:fld>
             <a:endParaRPr lang="nl-BE"/>
           </a:p>
@@ -3006,7 +3030,7 @@
           <a:p>
             <a:fld id="{F47C08B3-015B-44BE-B397-EC898F227802}" type="datetimeFigureOut">
               <a:rPr lang="nl-BE" smtClean="0"/>
-              <a:t>6/03/2019</a:t>
+              <a:t>7/05/2020</a:t>
             </a:fld>
             <a:endParaRPr lang="nl-BE"/>
           </a:p>
@@ -3101,7 +3125,7 @@
           <a:p>
             <a:fld id="{F47C08B3-015B-44BE-B397-EC898F227802}" type="datetimeFigureOut">
               <a:rPr lang="nl-BE" smtClean="0"/>
-              <a:t>6/03/2019</a:t>
+              <a:t>7/05/2020</a:t>
             </a:fld>
             <a:endParaRPr lang="nl-BE"/>
           </a:p>
@@ -3378,7 +3402,7 @@
           <a:p>
             <a:fld id="{F47C08B3-015B-44BE-B397-EC898F227802}" type="datetimeFigureOut">
               <a:rPr lang="nl-BE" smtClean="0"/>
-              <a:t>6/03/2019</a:t>
+              <a:t>7/05/2020</a:t>
             </a:fld>
             <a:endParaRPr lang="nl-BE"/>
           </a:p>
@@ -3635,7 +3659,7 @@
           <a:p>
             <a:fld id="{F47C08B3-015B-44BE-B397-EC898F227802}" type="datetimeFigureOut">
               <a:rPr lang="nl-BE" smtClean="0"/>
-              <a:t>6/03/2019</a:t>
+              <a:t>7/05/2020</a:t>
             </a:fld>
             <a:endParaRPr lang="nl-BE"/>
           </a:p>
@@ -3848,7 +3872,7 @@
           <a:p>
             <a:fld id="{F47C08B3-015B-44BE-B397-EC898F227802}" type="datetimeFigureOut">
               <a:rPr lang="nl-BE" smtClean="0"/>
-              <a:t>6/03/2019</a:t>
+              <a:t>7/05/2020</a:t>
             </a:fld>
             <a:endParaRPr lang="nl-BE"/>
           </a:p>

--- a/2 - Scripting.pptx
+++ b/2 - Scripting.pptx
@@ -259,6 +259,30 @@
 <file path=ppt/changesInfos/changesInfo1.xml><?xml version="1.0" encoding="utf-8"?>
 <pc:chgInfo xmlns:a="http://schemas.openxmlformats.org/drawingml/2006/main" xmlns:r="http://schemas.openxmlformats.org/officeDocument/2006/relationships" xmlns:ac="http://schemas.microsoft.com/office/drawing/2013/main/command" xmlns:pc="http://schemas.microsoft.com/office/powerpoint/2013/main/command">
   <pc:docChgLst>
+    <pc:chgData name="Jochen Mariën" userId="a4f8d9ed-3895-4365-b2d5-9432cb8a20d4" providerId="ADAL" clId="{DE4A0771-6F12-4E37-B357-AD903E5C93CC}"/>
+    <pc:docChg chg="modSld">
+      <pc:chgData name="Jochen Mariën" userId="a4f8d9ed-3895-4365-b2d5-9432cb8a20d4" providerId="ADAL" clId="{DE4A0771-6F12-4E37-B357-AD903E5C93CC}" dt="2020-10-08T09:36:37.691" v="17" actId="20577"/>
+      <pc:docMkLst>
+        <pc:docMk/>
+      </pc:docMkLst>
+      <pc:sldChg chg="modSp mod">
+        <pc:chgData name="Jochen Mariën" userId="a4f8d9ed-3895-4365-b2d5-9432cb8a20d4" providerId="ADAL" clId="{DE4A0771-6F12-4E37-B357-AD903E5C93CC}" dt="2020-10-08T09:36:37.691" v="17" actId="20577"/>
+        <pc:sldMkLst>
+          <pc:docMk/>
+          <pc:sldMk cId="4160523287" sldId="292"/>
+        </pc:sldMkLst>
+        <pc:spChg chg="mod">
+          <ac:chgData name="Jochen Mariën" userId="a4f8d9ed-3895-4365-b2d5-9432cb8a20d4" providerId="ADAL" clId="{DE4A0771-6F12-4E37-B357-AD903E5C93CC}" dt="2020-10-08T09:36:37.691" v="17" actId="20577"/>
+          <ac:spMkLst>
+            <pc:docMk/>
+            <pc:sldMk cId="4160523287" sldId="292"/>
+            <ac:spMk id="3" creationId="{00000000-0000-0000-0000-000000000000}"/>
+          </ac:spMkLst>
+        </pc:spChg>
+      </pc:sldChg>
+    </pc:docChg>
+  </pc:docChgLst>
+  <pc:docChgLst>
     <pc:chgData name="Jochen Mariën" userId="a4f8d9ed-3895-4365-b2d5-9432cb8a20d4" providerId="ADAL" clId="{27BA0E08-2950-4975-9494-37B9D9C6E144}"/>
     <pc:docChg chg="modSld">
       <pc:chgData name="Jochen Mariën" userId="a4f8d9ed-3895-4365-b2d5-9432cb8a20d4" providerId="ADAL" clId="{27BA0E08-2950-4975-9494-37B9D9C6E144}" dt="2018-03-13T12:19:45.678" v="1"/>
@@ -391,7 +415,7 @@
           <a:p>
             <a:fld id="{D44263F0-A5A9-41B6-B682-E0E7AF475E79}" type="datetimeFigureOut">
               <a:rPr lang="nl-BE" smtClean="0"/>
-              <a:t>7/05/2020</a:t>
+              <a:t>8/10/2020</a:t>
             </a:fld>
             <a:endParaRPr lang="nl-BE"/>
           </a:p>
@@ -1203,7 +1227,7 @@
           <a:p>
             <a:fld id="{F47C08B3-015B-44BE-B397-EC898F227802}" type="datetimeFigureOut">
               <a:rPr lang="nl-BE" smtClean="0"/>
-              <a:t>7/05/2020</a:t>
+              <a:t>8/10/2020</a:t>
             </a:fld>
             <a:endParaRPr lang="nl-BE"/>
           </a:p>
@@ -1373,7 +1397,7 @@
           <a:p>
             <a:fld id="{F47C08B3-015B-44BE-B397-EC898F227802}" type="datetimeFigureOut">
               <a:rPr lang="nl-BE" smtClean="0"/>
-              <a:t>7/05/2020</a:t>
+              <a:t>8/10/2020</a:t>
             </a:fld>
             <a:endParaRPr lang="nl-BE"/>
           </a:p>
@@ -1553,7 +1577,7 @@
           <a:p>
             <a:fld id="{F47C08B3-015B-44BE-B397-EC898F227802}" type="datetimeFigureOut">
               <a:rPr lang="nl-BE" smtClean="0"/>
-              <a:t>7/05/2020</a:t>
+              <a:t>8/10/2020</a:t>
             </a:fld>
             <a:endParaRPr lang="nl-BE"/>
           </a:p>
@@ -2067,7 +2091,7 @@
           <a:p>
             <a:fld id="{F47C08B3-015B-44BE-B397-EC898F227802}" type="datetimeFigureOut">
               <a:rPr lang="nl-BE" smtClean="0"/>
-              <a:t>7/05/2020</a:t>
+              <a:t>8/10/2020</a:t>
             </a:fld>
             <a:endParaRPr lang="nl-BE"/>
           </a:p>
@@ -2313,7 +2337,7 @@
           <a:p>
             <a:fld id="{F47C08B3-015B-44BE-B397-EC898F227802}" type="datetimeFigureOut">
               <a:rPr lang="nl-BE" smtClean="0"/>
-              <a:t>7/05/2020</a:t>
+              <a:t>8/10/2020</a:t>
             </a:fld>
             <a:endParaRPr lang="nl-BE"/>
           </a:p>
@@ -2545,7 +2569,7 @@
           <a:p>
             <a:fld id="{F47C08B3-015B-44BE-B397-EC898F227802}" type="datetimeFigureOut">
               <a:rPr lang="nl-BE" smtClean="0"/>
-              <a:t>7/05/2020</a:t>
+              <a:t>8/10/2020</a:t>
             </a:fld>
             <a:endParaRPr lang="nl-BE"/>
           </a:p>
@@ -2912,7 +2936,7 @@
           <a:p>
             <a:fld id="{F47C08B3-015B-44BE-B397-EC898F227802}" type="datetimeFigureOut">
               <a:rPr lang="nl-BE" smtClean="0"/>
-              <a:t>7/05/2020</a:t>
+              <a:t>8/10/2020</a:t>
             </a:fld>
             <a:endParaRPr lang="nl-BE"/>
           </a:p>
@@ -3030,7 +3054,7 @@
           <a:p>
             <a:fld id="{F47C08B3-015B-44BE-B397-EC898F227802}" type="datetimeFigureOut">
               <a:rPr lang="nl-BE" smtClean="0"/>
-              <a:t>7/05/2020</a:t>
+              <a:t>8/10/2020</a:t>
             </a:fld>
             <a:endParaRPr lang="nl-BE"/>
           </a:p>
@@ -3125,7 +3149,7 @@
           <a:p>
             <a:fld id="{F47C08B3-015B-44BE-B397-EC898F227802}" type="datetimeFigureOut">
               <a:rPr lang="nl-BE" smtClean="0"/>
-              <a:t>7/05/2020</a:t>
+              <a:t>8/10/2020</a:t>
             </a:fld>
             <a:endParaRPr lang="nl-BE"/>
           </a:p>
@@ -3402,7 +3426,7 @@
           <a:p>
             <a:fld id="{F47C08B3-015B-44BE-B397-EC898F227802}" type="datetimeFigureOut">
               <a:rPr lang="nl-BE" smtClean="0"/>
-              <a:t>7/05/2020</a:t>
+              <a:t>8/10/2020</a:t>
             </a:fld>
             <a:endParaRPr lang="nl-BE"/>
           </a:p>
@@ -3659,7 +3683,7 @@
           <a:p>
             <a:fld id="{F47C08B3-015B-44BE-B397-EC898F227802}" type="datetimeFigureOut">
               <a:rPr lang="nl-BE" smtClean="0"/>
-              <a:t>7/05/2020</a:t>
+              <a:t>8/10/2020</a:t>
             </a:fld>
             <a:endParaRPr lang="nl-BE"/>
           </a:p>
@@ -3872,7 +3896,7 @@
           <a:p>
             <a:fld id="{F47C08B3-015B-44BE-B397-EC898F227802}" type="datetimeFigureOut">
               <a:rPr lang="nl-BE" smtClean="0"/>
-              <a:t>7/05/2020</a:t>
+              <a:t>8/10/2020</a:t>
             </a:fld>
             <a:endParaRPr lang="nl-BE"/>
           </a:p>
@@ -22616,7 +22640,7 @@
             <a:pPr lvl="1"/>
             <a:r>
               <a:rPr lang="en-US" dirty="0"/>
-              <a:t>- Kills the pipe</a:t>
+              <a:t>- Kills the pipe sometimes</a:t>
             </a:r>
             <a:endParaRPr lang="nl-BE" dirty="0"/>
           </a:p>

--- a/2 - Scripting.pptx
+++ b/2 - Scripting.pptx
@@ -330,6 +330,113 @@
       </pc:sldChg>
     </pc:docChg>
   </pc:docChgLst>
+  <pc:docChgLst>
+    <pc:chgData name="Jochen Mariën" userId="a4f8d9ed-3895-4365-b2d5-9432cb8a20d4" providerId="ADAL" clId="{9596C58E-FCD8-49B3-AF27-5EB58AFEAE67}"/>
+    <pc:docChg chg="undo custSel modSld">
+      <pc:chgData name="Jochen Mariën" userId="a4f8d9ed-3895-4365-b2d5-9432cb8a20d4" providerId="ADAL" clId="{9596C58E-FCD8-49B3-AF27-5EB58AFEAE67}" dt="2021-01-15T10:03:48.189" v="13" actId="33524"/>
+      <pc:docMkLst>
+        <pc:docMk/>
+      </pc:docMkLst>
+      <pc:sldChg chg="modSp mod">
+        <pc:chgData name="Jochen Mariën" userId="a4f8d9ed-3895-4365-b2d5-9432cb8a20d4" providerId="ADAL" clId="{9596C58E-FCD8-49B3-AF27-5EB58AFEAE67}" dt="2021-01-15T08:37:37.746" v="3" actId="20577"/>
+        <pc:sldMkLst>
+          <pc:docMk/>
+          <pc:sldMk cId="1895054165" sldId="262"/>
+        </pc:sldMkLst>
+        <pc:spChg chg="mod">
+          <ac:chgData name="Jochen Mariën" userId="a4f8d9ed-3895-4365-b2d5-9432cb8a20d4" providerId="ADAL" clId="{9596C58E-FCD8-49B3-AF27-5EB58AFEAE67}" dt="2021-01-15T08:37:37.746" v="3" actId="20577"/>
+          <ac:spMkLst>
+            <pc:docMk/>
+            <pc:sldMk cId="1895054165" sldId="262"/>
+            <ac:spMk id="3" creationId="{00000000-0000-0000-0000-000000000000}"/>
+          </ac:spMkLst>
+        </pc:spChg>
+      </pc:sldChg>
+      <pc:sldChg chg="modSp mod">
+        <pc:chgData name="Jochen Mariën" userId="a4f8d9ed-3895-4365-b2d5-9432cb8a20d4" providerId="ADAL" clId="{9596C58E-FCD8-49B3-AF27-5EB58AFEAE67}" dt="2021-01-15T08:44:30.117" v="5" actId="15"/>
+        <pc:sldMkLst>
+          <pc:docMk/>
+          <pc:sldMk cId="2693565436" sldId="264"/>
+        </pc:sldMkLst>
+        <pc:spChg chg="mod">
+          <ac:chgData name="Jochen Mariën" userId="a4f8d9ed-3895-4365-b2d5-9432cb8a20d4" providerId="ADAL" clId="{9596C58E-FCD8-49B3-AF27-5EB58AFEAE67}" dt="2021-01-15T08:44:30.117" v="5" actId="15"/>
+          <ac:spMkLst>
+            <pc:docMk/>
+            <pc:sldMk cId="2693565436" sldId="264"/>
+            <ac:spMk id="4" creationId="{00000000-0000-0000-0000-000000000000}"/>
+          </ac:spMkLst>
+        </pc:spChg>
+      </pc:sldChg>
+      <pc:sldChg chg="modSp mod">
+        <pc:chgData name="Jochen Mariën" userId="a4f8d9ed-3895-4365-b2d5-9432cb8a20d4" providerId="ADAL" clId="{9596C58E-FCD8-49B3-AF27-5EB58AFEAE67}" dt="2021-01-15T09:29:54.521" v="7" actId="20577"/>
+        <pc:sldMkLst>
+          <pc:docMk/>
+          <pc:sldMk cId="1303017183" sldId="283"/>
+        </pc:sldMkLst>
+        <pc:spChg chg="mod">
+          <ac:chgData name="Jochen Mariën" userId="a4f8d9ed-3895-4365-b2d5-9432cb8a20d4" providerId="ADAL" clId="{9596C58E-FCD8-49B3-AF27-5EB58AFEAE67}" dt="2021-01-15T09:29:54.521" v="7" actId="20577"/>
+          <ac:spMkLst>
+            <pc:docMk/>
+            <pc:sldMk cId="1303017183" sldId="283"/>
+            <ac:spMk id="5" creationId="{00000000-0000-0000-0000-000000000000}"/>
+          </ac:spMkLst>
+        </pc:spChg>
+      </pc:sldChg>
+      <pc:sldChg chg="modSp mod">
+        <pc:chgData name="Jochen Mariën" userId="a4f8d9ed-3895-4365-b2d5-9432cb8a20d4" providerId="ADAL" clId="{9596C58E-FCD8-49B3-AF27-5EB58AFEAE67}" dt="2021-01-15T09:49:17.079" v="8" actId="15"/>
+        <pc:sldMkLst>
+          <pc:docMk/>
+          <pc:sldMk cId="2450745718" sldId="288"/>
+        </pc:sldMkLst>
+        <pc:spChg chg="mod">
+          <ac:chgData name="Jochen Mariën" userId="a4f8d9ed-3895-4365-b2d5-9432cb8a20d4" providerId="ADAL" clId="{9596C58E-FCD8-49B3-AF27-5EB58AFEAE67}" dt="2021-01-15T09:49:17.079" v="8" actId="15"/>
+          <ac:spMkLst>
+            <pc:docMk/>
+            <pc:sldMk cId="2450745718" sldId="288"/>
+            <ac:spMk id="4" creationId="{00000000-0000-0000-0000-000000000000}"/>
+          </ac:spMkLst>
+        </pc:spChg>
+      </pc:sldChg>
+      <pc:sldChg chg="modSp mod">
+        <pc:chgData name="Jochen Mariën" userId="a4f8d9ed-3895-4365-b2d5-9432cb8a20d4" providerId="ADAL" clId="{9596C58E-FCD8-49B3-AF27-5EB58AFEAE67}" dt="2021-01-15T09:56:55.089" v="12" actId="20577"/>
+        <pc:sldMkLst>
+          <pc:docMk/>
+          <pc:sldMk cId="4160523287" sldId="292"/>
+        </pc:sldMkLst>
+        <pc:spChg chg="mod">
+          <ac:chgData name="Jochen Mariën" userId="a4f8d9ed-3895-4365-b2d5-9432cb8a20d4" providerId="ADAL" clId="{9596C58E-FCD8-49B3-AF27-5EB58AFEAE67}" dt="2021-01-15T09:52:37.177" v="10" actId="20577"/>
+          <ac:spMkLst>
+            <pc:docMk/>
+            <pc:sldMk cId="4160523287" sldId="292"/>
+            <ac:spMk id="4" creationId="{00000000-0000-0000-0000-000000000000}"/>
+          </ac:spMkLst>
+        </pc:spChg>
+        <pc:spChg chg="mod">
+          <ac:chgData name="Jochen Mariën" userId="a4f8d9ed-3895-4365-b2d5-9432cb8a20d4" providerId="ADAL" clId="{9596C58E-FCD8-49B3-AF27-5EB58AFEAE67}" dt="2021-01-15T09:56:55.089" v="12" actId="20577"/>
+          <ac:spMkLst>
+            <pc:docMk/>
+            <pc:sldMk cId="4160523287" sldId="292"/>
+            <ac:spMk id="6" creationId="{00000000-0000-0000-0000-000000000000}"/>
+          </ac:spMkLst>
+        </pc:spChg>
+      </pc:sldChg>
+      <pc:sldChg chg="modSp mod">
+        <pc:chgData name="Jochen Mariën" userId="a4f8d9ed-3895-4365-b2d5-9432cb8a20d4" providerId="ADAL" clId="{9596C58E-FCD8-49B3-AF27-5EB58AFEAE67}" dt="2021-01-15T10:03:48.189" v="13" actId="33524"/>
+        <pc:sldMkLst>
+          <pc:docMk/>
+          <pc:sldMk cId="3859535742" sldId="307"/>
+        </pc:sldMkLst>
+        <pc:spChg chg="mod">
+          <ac:chgData name="Jochen Mariën" userId="a4f8d9ed-3895-4365-b2d5-9432cb8a20d4" providerId="ADAL" clId="{9596C58E-FCD8-49B3-AF27-5EB58AFEAE67}" dt="2021-01-15T10:03:48.189" v="13" actId="33524"/>
+          <ac:spMkLst>
+            <pc:docMk/>
+            <pc:sldMk cId="3859535742" sldId="307"/>
+            <ac:spMk id="3" creationId="{00000000-0000-0000-0000-000000000000}"/>
+          </ac:spMkLst>
+        </pc:spChg>
+      </pc:sldChg>
+    </pc:docChg>
+  </pc:docChgLst>
 </pc:chgInfo>
 </file>
 
@@ -415,7 +522,7 @@
           <a:p>
             <a:fld id="{D44263F0-A5A9-41B6-B682-E0E7AF475E79}" type="datetimeFigureOut">
               <a:rPr lang="nl-BE" smtClean="0"/>
-              <a:t>8/10/2020</a:t>
+              <a:t>15/01/2021</a:t>
             </a:fld>
             <a:endParaRPr lang="nl-BE"/>
           </a:p>
@@ -1227,7 +1334,7 @@
           <a:p>
             <a:fld id="{F47C08B3-015B-44BE-B397-EC898F227802}" type="datetimeFigureOut">
               <a:rPr lang="nl-BE" smtClean="0"/>
-              <a:t>8/10/2020</a:t>
+              <a:t>15/01/2021</a:t>
             </a:fld>
             <a:endParaRPr lang="nl-BE"/>
           </a:p>
@@ -1397,7 +1504,7 @@
           <a:p>
             <a:fld id="{F47C08B3-015B-44BE-B397-EC898F227802}" type="datetimeFigureOut">
               <a:rPr lang="nl-BE" smtClean="0"/>
-              <a:t>8/10/2020</a:t>
+              <a:t>15/01/2021</a:t>
             </a:fld>
             <a:endParaRPr lang="nl-BE"/>
           </a:p>
@@ -1577,7 +1684,7 @@
           <a:p>
             <a:fld id="{F47C08B3-015B-44BE-B397-EC898F227802}" type="datetimeFigureOut">
               <a:rPr lang="nl-BE" smtClean="0"/>
-              <a:t>8/10/2020</a:t>
+              <a:t>15/01/2021</a:t>
             </a:fld>
             <a:endParaRPr lang="nl-BE"/>
           </a:p>
@@ -2091,7 +2198,7 @@
           <a:p>
             <a:fld id="{F47C08B3-015B-44BE-B397-EC898F227802}" type="datetimeFigureOut">
               <a:rPr lang="nl-BE" smtClean="0"/>
-              <a:t>8/10/2020</a:t>
+              <a:t>15/01/2021</a:t>
             </a:fld>
             <a:endParaRPr lang="nl-BE"/>
           </a:p>
@@ -2337,7 +2444,7 @@
           <a:p>
             <a:fld id="{F47C08B3-015B-44BE-B397-EC898F227802}" type="datetimeFigureOut">
               <a:rPr lang="nl-BE" smtClean="0"/>
-              <a:t>8/10/2020</a:t>
+              <a:t>15/01/2021</a:t>
             </a:fld>
             <a:endParaRPr lang="nl-BE"/>
           </a:p>
@@ -2569,7 +2676,7 @@
           <a:p>
             <a:fld id="{F47C08B3-015B-44BE-B397-EC898F227802}" type="datetimeFigureOut">
               <a:rPr lang="nl-BE" smtClean="0"/>
-              <a:t>8/10/2020</a:t>
+              <a:t>15/01/2021</a:t>
             </a:fld>
             <a:endParaRPr lang="nl-BE"/>
           </a:p>
@@ -2936,7 +3043,7 @@
           <a:p>
             <a:fld id="{F47C08B3-015B-44BE-B397-EC898F227802}" type="datetimeFigureOut">
               <a:rPr lang="nl-BE" smtClean="0"/>
-              <a:t>8/10/2020</a:t>
+              <a:t>15/01/2021</a:t>
             </a:fld>
             <a:endParaRPr lang="nl-BE"/>
           </a:p>
@@ -3054,7 +3161,7 @@
           <a:p>
             <a:fld id="{F47C08B3-015B-44BE-B397-EC898F227802}" type="datetimeFigureOut">
               <a:rPr lang="nl-BE" smtClean="0"/>
-              <a:t>8/10/2020</a:t>
+              <a:t>15/01/2021</a:t>
             </a:fld>
             <a:endParaRPr lang="nl-BE"/>
           </a:p>
@@ -3149,7 +3256,7 @@
           <a:p>
             <a:fld id="{F47C08B3-015B-44BE-B397-EC898F227802}" type="datetimeFigureOut">
               <a:rPr lang="nl-BE" smtClean="0"/>
-              <a:t>8/10/2020</a:t>
+              <a:t>15/01/2021</a:t>
             </a:fld>
             <a:endParaRPr lang="nl-BE"/>
           </a:p>
@@ -3426,7 +3533,7 @@
           <a:p>
             <a:fld id="{F47C08B3-015B-44BE-B397-EC898F227802}" type="datetimeFigureOut">
               <a:rPr lang="nl-BE" smtClean="0"/>
-              <a:t>8/10/2020</a:t>
+              <a:t>15/01/2021</a:t>
             </a:fld>
             <a:endParaRPr lang="nl-BE"/>
           </a:p>
@@ -3683,7 +3790,7 @@
           <a:p>
             <a:fld id="{F47C08B3-015B-44BE-B397-EC898F227802}" type="datetimeFigureOut">
               <a:rPr lang="nl-BE" smtClean="0"/>
-              <a:t>8/10/2020</a:t>
+              <a:t>15/01/2021</a:t>
             </a:fld>
             <a:endParaRPr lang="nl-BE"/>
           </a:p>
@@ -3896,7 +4003,7 @@
           <a:p>
             <a:fld id="{F47C08B3-015B-44BE-B397-EC898F227802}" type="datetimeFigureOut">
               <a:rPr lang="nl-BE" smtClean="0"/>
-              <a:t>8/10/2020</a:t>
+              <a:t>15/01/2021</a:t>
             </a:fld>
             <a:endParaRPr lang="nl-BE"/>
           </a:p>
@@ -19549,7 +19656,7 @@
         <p:spPr>
           <a:xfrm>
             <a:off x="2667000" y="1944428"/>
-            <a:ext cx="6858000" cy="1754326"/>
+            <a:ext cx="6858000" cy="2585323"/>
           </a:xfrm>
           <a:prstGeom prst="rect">
             <a:avLst/>
@@ -19561,6 +19668,7 @@
           </a:bodyPr>
           <a:lstStyle/>
           <a:p>
+            <a:pPr lvl="1"/>
             <a:r>
               <a:rPr lang="nl-BE" dirty="0">
                 <a:solidFill>
@@ -19668,6 +19776,7 @@
             </a:endParaRPr>
           </a:p>
           <a:p>
+            <a:pPr lvl="1"/>
             <a:r>
               <a:rPr lang="nl-BE" dirty="0">
                 <a:solidFill>
@@ -19784,6 +19893,7 @@
             </a:endParaRPr>
           </a:p>
           <a:p>
+            <a:pPr lvl="1"/>
             <a:endParaRPr lang="nl-BE" dirty="0">
               <a:solidFill>
                 <a:prstClr val="black"/>
@@ -19792,6 +19902,7 @@
             </a:endParaRPr>
           </a:p>
           <a:p>
+            <a:pPr lvl="1"/>
             <a:r>
               <a:rPr lang="nl-BE" dirty="0">
                 <a:solidFill>
@@ -19899,6 +20010,7 @@
             </a:endParaRPr>
           </a:p>
           <a:p>
+            <a:pPr lvl="1"/>
             <a:r>
               <a:rPr lang="nl-BE" dirty="0">
                 <a:solidFill>
@@ -19997,6 +20109,7 @@
             </a:endParaRPr>
           </a:p>
           <a:p>
+            <a:pPr lvl="1"/>
             <a:r>
               <a:rPr lang="en-US" dirty="0">
                 <a:solidFill>
@@ -20739,16 +20852,16 @@
               <a:t>lt</a:t>
             </a:r>
             <a:r>
-              <a:rPr lang="nl-BE">
-                <a:solidFill>
-                  <a:prstClr val="black"/>
-                </a:solidFill>
-                <a:latin typeface="Lucida Console" panose="020B0609040504020204" pitchFamily="49" charset="0"/>
-              </a:rPr>
-              <a:t> </a:t>
-            </a:r>
-            <a:r>
-              <a:rPr lang="nl-BE">
+              <a:rPr lang="nl-BE" dirty="0">
+                <a:solidFill>
+                  <a:prstClr val="black"/>
+                </a:solidFill>
+                <a:latin typeface="Lucida Console" panose="020B0609040504020204" pitchFamily="49" charset="0"/>
+              </a:rPr>
+              <a:t> </a:t>
+            </a:r>
+            <a:r>
+              <a:rPr lang="nl-BE" dirty="0">
                 <a:solidFill>
                   <a:srgbClr val="800080"/>
                 </a:solidFill>
@@ -20757,7 +20870,7 @@
               <a:t>100</a:t>
             </a:r>
             <a:r>
-              <a:rPr lang="nl-BE">
+              <a:rPr lang="nl-BE" dirty="0">
                 <a:solidFill>
                   <a:prstClr val="black"/>
                 </a:solidFill>
@@ -20765,12 +20878,6 @@
               </a:rPr>
               <a:t>)</a:t>
             </a:r>
-            <a:endParaRPr lang="nl-BE" dirty="0">
-              <a:solidFill>
-                <a:prstClr val="black"/>
-              </a:solidFill>
-              <a:latin typeface="Lucida Console" panose="020B0609040504020204" pitchFamily="49" charset="0"/>
-            </a:endParaRPr>
           </a:p>
           <a:p>
             <a:r>
@@ -26362,7 +26469,7 @@
             <a:pPr lvl="1"/>
             <a:r>
               <a:rPr lang="en-US" dirty="0"/>
-              <a:t>To run a script that has spaces in it’s name</a:t>
+              <a:t>To run a script that has spaces in its name</a:t>
             </a:r>
           </a:p>
           <a:p>
@@ -27537,15 +27644,7 @@
             <a:pPr lvl="1"/>
             <a:r>
               <a:rPr lang="en-US" dirty="0"/>
-              <a:t>[</a:t>
-            </a:r>
-            <a:r>
-              <a:rPr lang="en-US" dirty="0" err="1"/>
-              <a:t>int</a:t>
-            </a:r>
-            <a:r>
-              <a:rPr lang="en-US" dirty="0"/>
-              <a:t>] (PS) (type accelerator)</a:t>
+              <a:t>[int] (PS type accelerator)</a:t>
             </a:r>
           </a:p>
           <a:p>
